--- a/images/introduction-to-ml-and-dl/fenghz.pptx
+++ b/images/introduction-to-ml-and-dl/fenghz.pptx
@@ -3119,7 +3119,7 @@
           </a:ln>
           <a:extLst>
             <a:ext uri="{C572A759-6A51-4108-AA02-DFA0A04FC94B}">
-              <ma14:wrappingTextBoxFlag xmlns="" xmlns:ma14="http://schemas.microsoft.com/office/mac/drawingml/2011/main" val="1"/>
+              <ma14:wrappingTextBoxFlag xmlns:ma14="http://schemas.microsoft.com/office/mac/drawingml/2011/main" xmlns="" val="1"/>
             </a:ext>
           </a:extLst>
         </p:spPr>
@@ -3885,7 +3885,7 @@
           </a:ln>
           <a:extLst>
             <a:ext uri="{C572A759-6A51-4108-AA02-DFA0A04FC94B}">
-              <ma14:wrappingTextBoxFlag xmlns="" xmlns:ma14="http://schemas.microsoft.com/office/mac/drawingml/2011/main" val="1"/>
+              <ma14:wrappingTextBoxFlag xmlns:ma14="http://schemas.microsoft.com/office/mac/drawingml/2011/main" xmlns="" val="1"/>
             </a:ext>
           </a:extLst>
         </p:spPr>
@@ -5463,7 +5463,7 @@
           </a:ln>
           <a:extLst>
             <a:ext uri="{C572A759-6A51-4108-AA02-DFA0A04FC94B}">
-              <ma14:wrappingTextBoxFlag xmlns="" xmlns:ma14="http://schemas.microsoft.com/office/mac/drawingml/2011/main" val="1"/>
+              <ma14:wrappingTextBoxFlag xmlns:ma14="http://schemas.microsoft.com/office/mac/drawingml/2011/main" xmlns="" val="1"/>
             </a:ext>
           </a:extLst>
         </p:spPr>
@@ -5502,7 +5502,7 @@
           </a:ln>
           <a:extLst>
             <a:ext uri="{C572A759-6A51-4108-AA02-DFA0A04FC94B}">
-              <ma14:wrappingTextBoxFlag xmlns="" xmlns:ma14="http://schemas.microsoft.com/office/mac/drawingml/2011/main" val="1"/>
+              <ma14:wrappingTextBoxFlag xmlns:ma14="http://schemas.microsoft.com/office/mac/drawingml/2011/main" xmlns="" val="1"/>
             </a:ext>
           </a:extLst>
         </p:spPr>
@@ -6579,7 +6579,7 @@
           </a:ln>
           <a:extLst>
             <a:ext uri="{C572A759-6A51-4108-AA02-DFA0A04FC94B}">
-              <ma14:wrappingTextBoxFlag xmlns="" xmlns:ma14="http://schemas.microsoft.com/office/mac/drawingml/2011/main" val="1"/>
+              <ma14:wrappingTextBoxFlag xmlns:ma14="http://schemas.microsoft.com/office/mac/drawingml/2011/main" xmlns="" val="1"/>
             </a:ext>
           </a:extLst>
         </p:spPr>
@@ -6831,7 +6831,7 @@
         </p:nvSpPr>
         <p:spPr>
           <a:xfrm>
-            <a:off x="280984" y="8430770"/>
+            <a:off x="280984" y="8243957"/>
             <a:ext cx="11475452" cy="318036"/>
           </a:xfrm>
           <a:prstGeom prst="rect">
@@ -6865,22 +6865,17 @@
           <a:p>
             <a:r>
               <a:rPr lang="en-US" altLang="zh-CN" sz="1400" b="0" dirty="0"/>
-              <a:t>Feng HZ, et al. SHOT-VAE: Semi-supervised Deep Generative Models With Label-aware ELBO Approximations(Accepted at AAAI 2021).</a:t>
-            </a:r>
-            <a:endParaRPr kumimoji="0" lang="zh-CN" altLang="en-US" sz="1400" b="1" i="0" u="none" strike="noStrike" cap="none" spc="0" normalizeH="0" baseline="0" dirty="0">
-              <a:ln>
-                <a:noFill/>
-              </a:ln>
-              <a:solidFill>
-                <a:srgbClr val="000000"/>
-              </a:solidFill>
-              <a:effectLst/>
-              <a:uFillTx/>
-              <a:latin typeface="Helvetica Neue"/>
-              <a:ea typeface="Helvetica Neue"/>
-              <a:cs typeface="Helvetica Neue"/>
-              <a:sym typeface="Helvetica Neue"/>
-            </a:endParaRPr>
+              <a:t>Radford A, Metz L, </a:t>
+            </a:r>
+            <a:r>
+              <a:rPr lang="en-US" altLang="zh-CN" sz="1400" b="0" dirty="0" err="1"/>
+              <a:t>Chintala</a:t>
+            </a:r>
+            <a:r>
+              <a:rPr lang="en-US" altLang="zh-CN" sz="1400" b="0" dirty="0"/>
+              <a:t> S. Unsupervised representation learning with deep convolutional generative adversarial networks. (ICLR2016)</a:t>
+            </a:r>
+            <a:endParaRPr lang="zh-CN" altLang="en-US" sz="1400" b="0" dirty="0"/>
           </a:p>
         </p:txBody>
       </p:sp>
@@ -6898,7 +6893,7 @@
         </p:nvSpPr>
         <p:spPr>
           <a:xfrm>
-            <a:off x="433384" y="8583170"/>
+            <a:off x="280984" y="8550258"/>
             <a:ext cx="11475452" cy="318036"/>
           </a:xfrm>
           <a:prstGeom prst="rect">
@@ -6932,7 +6927,7 @@
           <a:p>
             <a:r>
               <a:rPr lang="en-US" altLang="zh-CN" sz="1400" b="0" dirty="0"/>
-              <a:t>Feng HZ, et al. SHOT-VAE: Semi-supervised Deep Generative Models With Label-aware ELBO Approximations(Accepted at AAAI 2021).</a:t>
+              <a:t>Feng HZ, et al. SHOT-VAE: Semi-supervised Deep Generative Models With Label-aware ELBO Approximations (Accepted at AAAI 2021).</a:t>
             </a:r>
             <a:endParaRPr kumimoji="0" lang="zh-CN" altLang="en-US" sz="1400" b="1" i="0" u="none" strike="noStrike" cap="none" spc="0" normalizeH="0" baseline="0" dirty="0">
               <a:ln>
@@ -7669,8 +7664,8 @@
           </a:p>
         </p:txBody>
       </p:sp>
-      <mc:AlternateContent xmlns:mc="http://schemas.openxmlformats.org/markup-compatibility/2006">
-        <mc:Choice xmlns:a14="http://schemas.microsoft.com/office/drawing/2010/main" Requires="a14">
+      <mc:AlternateContent xmlns:mc="http://schemas.openxmlformats.org/markup-compatibility/2006" xmlns:a14="http://schemas.microsoft.com/office/drawing/2010/main">
+        <mc:Choice Requires="a14">
           <p:sp>
             <p:nvSpPr>
               <p:cNvPr id="23" name="文本框 22">
@@ -7977,7 +7972,7 @@
             </p:txBody>
           </p:sp>
         </mc:Choice>
-        <mc:Fallback>
+        <mc:Fallback xmlns="">
           <p:sp>
             <p:nvSpPr>
               <p:cNvPr id="23" name="文本框 22">
@@ -8027,8 +8022,8 @@
           </p:sp>
         </mc:Fallback>
       </mc:AlternateContent>
-      <mc:AlternateContent xmlns:mc="http://schemas.openxmlformats.org/markup-compatibility/2006">
-        <mc:Choice xmlns:a14="http://schemas.microsoft.com/office/drawing/2010/main" Requires="a14">
+      <mc:AlternateContent xmlns:mc="http://schemas.openxmlformats.org/markup-compatibility/2006" xmlns:a14="http://schemas.microsoft.com/office/drawing/2010/main">
+        <mc:Choice Requires="a14">
           <p:sp>
             <p:nvSpPr>
               <p:cNvPr id="3" name="文本框 2">
@@ -9097,7 +9092,7 @@
             </p:txBody>
           </p:sp>
         </mc:Choice>
-        <mc:Fallback>
+        <mc:Fallback xmlns="">
           <p:sp>
             <p:nvSpPr>
               <p:cNvPr id="3" name="文本框 2">
@@ -9705,8 +9700,8 @@
           </a:prstGeom>
         </p:spPr>
       </p:pic>
-      <mc:AlternateContent xmlns:mc="http://schemas.openxmlformats.org/markup-compatibility/2006">
-        <mc:Choice xmlns:a14="http://schemas.microsoft.com/office/drawing/2010/main" Requires="a14">
+      <mc:AlternateContent xmlns:mc="http://schemas.openxmlformats.org/markup-compatibility/2006" xmlns:a14="http://schemas.microsoft.com/office/drawing/2010/main">
+        <mc:Choice Requires="a14">
           <p:sp>
             <p:nvSpPr>
               <p:cNvPr id="5" name="文本框 4">
@@ -9753,6 +9748,7 @@
               </a:bodyPr>
               <a:lstStyle/>
               <a:p>
+                <a:pPr/>
                 <a14:m>
                   <m:oMathPara xmlns:m="http://schemas.openxmlformats.org/officeDocument/2006/math">
                     <m:oMathParaPr>
@@ -10167,7 +10163,7 @@
             </p:txBody>
           </p:sp>
         </mc:Choice>
-        <mc:Fallback>
+        <mc:Fallback xmlns="">
           <p:sp>
             <p:nvSpPr>
               <p:cNvPr id="5" name="文本框 4">
@@ -10677,8 +10673,8 @@
           </a:p>
         </p:txBody>
       </p:sp>
-      <mc:AlternateContent xmlns:mc="http://schemas.openxmlformats.org/markup-compatibility/2006">
-        <mc:Choice xmlns:a14="http://schemas.microsoft.com/office/drawing/2010/main" Requires="a14">
+      <mc:AlternateContent xmlns:mc="http://schemas.openxmlformats.org/markup-compatibility/2006" xmlns:a14="http://schemas.microsoft.com/office/drawing/2010/main">
+        <mc:Choice Requires="a14">
           <p:sp>
             <p:nvSpPr>
               <p:cNvPr id="3" name="文本框 2">
@@ -11222,7 +11218,7 @@
             </p:txBody>
           </p:sp>
         </mc:Choice>
-        <mc:Fallback>
+        <mc:Fallback xmlns="">
           <p:sp>
             <p:nvSpPr>
               <p:cNvPr id="3" name="文本框 2">
